--- a/weekly/Weekly 20230529-20230602.pptx
+++ b/weekly/Weekly 20230529-20230602.pptx
@@ -5,7 +5,7 @@
     <p:sldMasterId id="2147483648" r:id="rId1"/>
   </p:sldMasterIdLst>
   <p:notesMasterIdLst>
-    <p:notesMasterId r:id="rId18"/>
+    <p:notesMasterId r:id="rId19"/>
   </p:notesMasterIdLst>
   <p:sldIdLst>
     <p:sldId id="256" r:id="rId2"/>
@@ -14,16 +14,17 @@
     <p:sldId id="261" r:id="rId5"/>
     <p:sldId id="282" r:id="rId6"/>
     <p:sldId id="365" r:id="rId7"/>
-    <p:sldId id="337" r:id="rId8"/>
-    <p:sldId id="356" r:id="rId9"/>
-    <p:sldId id="358" r:id="rId10"/>
-    <p:sldId id="364" r:id="rId11"/>
-    <p:sldId id="366" r:id="rId12"/>
-    <p:sldId id="367" r:id="rId13"/>
-    <p:sldId id="368" r:id="rId14"/>
-    <p:sldId id="263" r:id="rId15"/>
-    <p:sldId id="264" r:id="rId16"/>
-    <p:sldId id="265" r:id="rId17"/>
+    <p:sldId id="369" r:id="rId8"/>
+    <p:sldId id="337" r:id="rId9"/>
+    <p:sldId id="356" r:id="rId10"/>
+    <p:sldId id="358" r:id="rId11"/>
+    <p:sldId id="364" r:id="rId12"/>
+    <p:sldId id="366" r:id="rId13"/>
+    <p:sldId id="367" r:id="rId14"/>
+    <p:sldId id="368" r:id="rId15"/>
+    <p:sldId id="263" r:id="rId16"/>
+    <p:sldId id="264" r:id="rId17"/>
+    <p:sldId id="265" r:id="rId18"/>
   </p:sldIdLst>
   <p:sldSz cx="9906000" cy="6858000" type="A4"/>
   <p:notesSz cx="6858000" cy="9144000"/>
@@ -641,6 +642,11 @@
         </p:txBody>
       </p:sp>
     </p:spTree>
+    <p:extLst>
+      <p:ext uri="{BB962C8B-B14F-4D97-AF65-F5344CB8AC3E}">
+        <p14:creationId xmlns:p14="http://schemas.microsoft.com/office/powerpoint/2010/main" val="710369602"/>
+      </p:ext>
+    </p:extLst>
   </p:cSld>
   <p:clrMapOvr>
     <a:masterClrMapping/>
@@ -720,11 +726,6 @@
         </p:txBody>
       </p:sp>
     </p:spTree>
-    <p:extLst>
-      <p:ext uri="{BB962C8B-B14F-4D97-AF65-F5344CB8AC3E}">
-        <p14:creationId xmlns:p14="http://schemas.microsoft.com/office/powerpoint/2010/main" val="1294122183"/>
-      </p:ext>
-    </p:extLst>
   </p:cSld>
   <p:clrMapOvr>
     <a:masterClrMapping/>
@@ -806,7 +807,7 @@
     </p:spTree>
     <p:extLst>
       <p:ext uri="{BB962C8B-B14F-4D97-AF65-F5344CB8AC3E}">
-        <p14:creationId xmlns:p14="http://schemas.microsoft.com/office/powerpoint/2010/main" val="3521962270"/>
+        <p14:creationId xmlns:p14="http://schemas.microsoft.com/office/powerpoint/2010/main" val="1294122183"/>
       </p:ext>
     </p:extLst>
   </p:cSld>
@@ -890,7 +891,7 @@
     </p:spTree>
     <p:extLst>
       <p:ext uri="{BB962C8B-B14F-4D97-AF65-F5344CB8AC3E}">
-        <p14:creationId xmlns:p14="http://schemas.microsoft.com/office/powerpoint/2010/main" val="544494144"/>
+        <p14:creationId xmlns:p14="http://schemas.microsoft.com/office/powerpoint/2010/main" val="3521962270"/>
       </p:ext>
     </p:extLst>
   </p:cSld>
@@ -974,7 +975,7 @@
     </p:spTree>
     <p:extLst>
       <p:ext uri="{BB962C8B-B14F-4D97-AF65-F5344CB8AC3E}">
-        <p14:creationId xmlns:p14="http://schemas.microsoft.com/office/powerpoint/2010/main" val="3353822346"/>
+        <p14:creationId xmlns:p14="http://schemas.microsoft.com/office/powerpoint/2010/main" val="544494144"/>
       </p:ext>
     </p:extLst>
   </p:cSld>
@@ -1058,7 +1059,7 @@
     </p:spTree>
     <p:extLst>
       <p:ext uri="{BB962C8B-B14F-4D97-AF65-F5344CB8AC3E}">
-        <p14:creationId xmlns:p14="http://schemas.microsoft.com/office/powerpoint/2010/main" val="735793689"/>
+        <p14:creationId xmlns:p14="http://schemas.microsoft.com/office/powerpoint/2010/main" val="3353822346"/>
       </p:ext>
     </p:extLst>
   </p:cSld>
@@ -1134,6 +1135,90 @@
             <a:fld id="{747684FA-A857-1C43-8DE5-1668ADB2B977}" type="slidenum">
               <a:rPr lang="en-US" smtClean="0"/>
               <a:t>13</a:t>
+            </a:fld>
+            <a:endParaRPr lang="en-US"/>
+          </a:p>
+        </p:txBody>
+      </p:sp>
+    </p:spTree>
+    <p:extLst>
+      <p:ext uri="{BB962C8B-B14F-4D97-AF65-F5344CB8AC3E}">
+        <p14:creationId xmlns:p14="http://schemas.microsoft.com/office/powerpoint/2010/main" val="735793689"/>
+      </p:ext>
+    </p:extLst>
+  </p:cSld>
+  <p:clrMapOvr>
+    <a:masterClrMapping/>
+  </p:clrMapOvr>
+</p:notes>
+</file>
+
+<file path=ppt/notesSlides/notesSlide9.xml><?xml version="1.0" encoding="utf-8"?>
+<p:notes xmlns:a="http://schemas.openxmlformats.org/drawingml/2006/main" xmlns:r="http://schemas.openxmlformats.org/officeDocument/2006/relationships" xmlns:p="http://schemas.openxmlformats.org/presentationml/2006/main">
+  <p:cSld>
+    <p:spTree>
+      <p:nvGrpSpPr>
+        <p:cNvPr id="1" name=""/>
+        <p:cNvGrpSpPr/>
+        <p:nvPr/>
+      </p:nvGrpSpPr>
+      <p:grpSpPr>
+        <a:xfrm>
+          <a:off x="0" y="0"/>
+          <a:ext cx="0" cy="0"/>
+          <a:chOff x="0" y="0"/>
+          <a:chExt cx="0" cy="0"/>
+        </a:xfrm>
+      </p:grpSpPr>
+      <p:sp>
+        <p:nvSpPr>
+          <p:cNvPr id="2" name="Slide Image Placeholder 1"/>
+          <p:cNvSpPr>
+            <a:spLocks noGrp="1" noRot="1" noChangeAspect="1"/>
+          </p:cNvSpPr>
+          <p:nvPr>
+            <p:ph type="sldImg"/>
+          </p:nvPr>
+        </p:nvSpPr>
+        <p:spPr/>
+      </p:sp>
+      <p:sp>
+        <p:nvSpPr>
+          <p:cNvPr id="3" name="Notes Placeholder 2"/>
+          <p:cNvSpPr>
+            <a:spLocks noGrp="1"/>
+          </p:cNvSpPr>
+          <p:nvPr>
+            <p:ph type="body" idx="1"/>
+          </p:nvPr>
+        </p:nvSpPr>
+        <p:spPr/>
+        <p:txBody>
+          <a:bodyPr/>
+          <a:lstStyle/>
+          <a:p>
+            <a:endParaRPr lang="en-US" dirty="0"/>
+          </a:p>
+        </p:txBody>
+      </p:sp>
+      <p:sp>
+        <p:nvSpPr>
+          <p:cNvPr id="4" name="Slide Number Placeholder 3"/>
+          <p:cNvSpPr>
+            <a:spLocks noGrp="1"/>
+          </p:cNvSpPr>
+          <p:nvPr>
+            <p:ph type="sldNum" sz="quarter" idx="5"/>
+          </p:nvPr>
+        </p:nvSpPr>
+        <p:spPr/>
+        <p:txBody>
+          <a:bodyPr/>
+          <a:lstStyle/>
+          <a:p>
+            <a:fld id="{747684FA-A857-1C43-8DE5-1668ADB2B977}" type="slidenum">
+              <a:rPr lang="en-US" smtClean="0"/>
+              <a:t>14</a:t>
             </a:fld>
             <a:endParaRPr lang="en-US"/>
           </a:p>
@@ -4054,6 +4139,306 @@
           <a:p>
             <a:r>
               <a:rPr lang="en-US" dirty="0"/>
+              <a:t>Study customize XIOS</a:t>
+            </a:r>
+            <a:endParaRPr lang="x-none" dirty="0"/>
+          </a:p>
+        </p:txBody>
+      </p:sp>
+      <p:sp>
+        <p:nvSpPr>
+          <p:cNvPr id="4" name="Content Placeholder 2"/>
+          <p:cNvSpPr txBox="1"/>
+          <p:nvPr/>
+        </p:nvSpPr>
+        <p:spPr>
+          <a:xfrm>
+            <a:off x="863917" y="1421638"/>
+            <a:ext cx="8543925" cy="554307"/>
+          </a:xfrm>
+          <a:prstGeom prst="rect">
+            <a:avLst/>
+          </a:prstGeom>
+        </p:spPr>
+        <p:style>
+          <a:lnRef idx="1">
+            <a:schemeClr val="accent4"/>
+          </a:lnRef>
+          <a:fillRef idx="3">
+            <a:schemeClr val="accent4"/>
+          </a:fillRef>
+          <a:effectRef idx="2">
+            <a:schemeClr val="accent4"/>
+          </a:effectRef>
+          <a:fontRef idx="minor">
+            <a:schemeClr val="lt1"/>
+          </a:fontRef>
+        </p:style>
+        <p:txBody>
+          <a:bodyPr vert="horz" lIns="91440" tIns="45720" rIns="91440" bIns="45720" rtlCol="0">
+            <a:normAutofit fontScale="77500" lnSpcReduction="20000"/>
+          </a:bodyPr>
+          <a:lstStyle>
+            <a:lvl1pPr marL="228600" indent="-228600" algn="l" defTabSz="914400" rtl="0" eaLnBrk="1" latinLnBrk="0" hangingPunct="1">
+              <a:lnSpc>
+                <a:spcPct val="90000"/>
+              </a:lnSpc>
+              <a:spcBef>
+                <a:spcPts val="1000"/>
+              </a:spcBef>
+              <a:buFont typeface="Arial" panose="020B0604020202020204" pitchFamily="34" charset="0"/>
+              <a:buChar char="•"/>
+              <a:defRPr sz="2800" kern="1200">
+                <a:solidFill>
+                  <a:schemeClr val="tx1"/>
+                </a:solidFill>
+                <a:latin typeface="+mn-lt"/>
+                <a:ea typeface="+mn-ea"/>
+                <a:cs typeface="+mn-cs"/>
+              </a:defRPr>
+            </a:lvl1pPr>
+            <a:lvl2pPr marL="685800" indent="-228600" algn="l" defTabSz="914400" rtl="0" eaLnBrk="1" latinLnBrk="0" hangingPunct="1">
+              <a:lnSpc>
+                <a:spcPct val="90000"/>
+              </a:lnSpc>
+              <a:spcBef>
+                <a:spcPts val="500"/>
+              </a:spcBef>
+              <a:buFont typeface="Arial" panose="020B0604020202020204" pitchFamily="34" charset="0"/>
+              <a:buChar char="•"/>
+              <a:defRPr sz="2400" kern="1200">
+                <a:solidFill>
+                  <a:schemeClr val="tx1"/>
+                </a:solidFill>
+                <a:latin typeface="+mn-lt"/>
+                <a:ea typeface="+mn-ea"/>
+                <a:cs typeface="+mn-cs"/>
+              </a:defRPr>
+            </a:lvl2pPr>
+            <a:lvl3pPr marL="1143000" indent="-228600" algn="l" defTabSz="914400" rtl="0" eaLnBrk="1" latinLnBrk="0" hangingPunct="1">
+              <a:lnSpc>
+                <a:spcPct val="90000"/>
+              </a:lnSpc>
+              <a:spcBef>
+                <a:spcPts val="500"/>
+              </a:spcBef>
+              <a:buFont typeface="Arial" panose="020B0604020202020204" pitchFamily="34" charset="0"/>
+              <a:buChar char="•"/>
+              <a:defRPr sz="2000" kern="1200">
+                <a:solidFill>
+                  <a:schemeClr val="tx1"/>
+                </a:solidFill>
+                <a:latin typeface="+mn-lt"/>
+                <a:ea typeface="+mn-ea"/>
+                <a:cs typeface="+mn-cs"/>
+              </a:defRPr>
+            </a:lvl3pPr>
+            <a:lvl4pPr marL="1600200" indent="-228600" algn="l" defTabSz="914400" rtl="0" eaLnBrk="1" latinLnBrk="0" hangingPunct="1">
+              <a:lnSpc>
+                <a:spcPct val="90000"/>
+              </a:lnSpc>
+              <a:spcBef>
+                <a:spcPts val="500"/>
+              </a:spcBef>
+              <a:buFont typeface="Arial" panose="020B0604020202020204" pitchFamily="34" charset="0"/>
+              <a:buChar char="•"/>
+              <a:defRPr sz="1800" kern="1200">
+                <a:solidFill>
+                  <a:schemeClr val="tx1"/>
+                </a:solidFill>
+                <a:latin typeface="+mn-lt"/>
+                <a:ea typeface="+mn-ea"/>
+                <a:cs typeface="+mn-cs"/>
+              </a:defRPr>
+            </a:lvl4pPr>
+            <a:lvl5pPr marL="2057400" indent="-228600" algn="l" defTabSz="914400" rtl="0" eaLnBrk="1" latinLnBrk="0" hangingPunct="1">
+              <a:lnSpc>
+                <a:spcPct val="90000"/>
+              </a:lnSpc>
+              <a:spcBef>
+                <a:spcPts val="500"/>
+              </a:spcBef>
+              <a:buFont typeface="Arial" panose="020B0604020202020204" pitchFamily="34" charset="0"/>
+              <a:buChar char="•"/>
+              <a:defRPr sz="1800" kern="1200">
+                <a:solidFill>
+                  <a:schemeClr val="tx1"/>
+                </a:solidFill>
+                <a:latin typeface="+mn-lt"/>
+                <a:ea typeface="+mn-ea"/>
+                <a:cs typeface="+mn-cs"/>
+              </a:defRPr>
+            </a:lvl5pPr>
+            <a:lvl6pPr marL="2514600" indent="-228600" algn="l" defTabSz="914400" rtl="0" eaLnBrk="1" latinLnBrk="0" hangingPunct="1">
+              <a:lnSpc>
+                <a:spcPct val="90000"/>
+              </a:lnSpc>
+              <a:spcBef>
+                <a:spcPts val="500"/>
+              </a:spcBef>
+              <a:buFont typeface="Arial" panose="020B0604020202020204" pitchFamily="34" charset="0"/>
+              <a:buChar char="•"/>
+              <a:defRPr sz="1800" kern="1200">
+                <a:solidFill>
+                  <a:schemeClr val="tx1"/>
+                </a:solidFill>
+                <a:latin typeface="+mn-lt"/>
+                <a:ea typeface="+mn-ea"/>
+                <a:cs typeface="+mn-cs"/>
+              </a:defRPr>
+            </a:lvl6pPr>
+            <a:lvl7pPr marL="2971800" indent="-228600" algn="l" defTabSz="914400" rtl="0" eaLnBrk="1" latinLnBrk="0" hangingPunct="1">
+              <a:lnSpc>
+                <a:spcPct val="90000"/>
+              </a:lnSpc>
+              <a:spcBef>
+                <a:spcPts val="500"/>
+              </a:spcBef>
+              <a:buFont typeface="Arial" panose="020B0604020202020204" pitchFamily="34" charset="0"/>
+              <a:buChar char="•"/>
+              <a:defRPr sz="1800" kern="1200">
+                <a:solidFill>
+                  <a:schemeClr val="tx1"/>
+                </a:solidFill>
+                <a:latin typeface="+mn-lt"/>
+                <a:ea typeface="+mn-ea"/>
+                <a:cs typeface="+mn-cs"/>
+              </a:defRPr>
+            </a:lvl7pPr>
+            <a:lvl8pPr marL="3429000" indent="-228600" algn="l" defTabSz="914400" rtl="0" eaLnBrk="1" latinLnBrk="0" hangingPunct="1">
+              <a:lnSpc>
+                <a:spcPct val="90000"/>
+              </a:lnSpc>
+              <a:spcBef>
+                <a:spcPts val="500"/>
+              </a:spcBef>
+              <a:buFont typeface="Arial" panose="020B0604020202020204" pitchFamily="34" charset="0"/>
+              <a:buChar char="•"/>
+              <a:defRPr sz="1800" kern="1200">
+                <a:solidFill>
+                  <a:schemeClr val="tx1"/>
+                </a:solidFill>
+                <a:latin typeface="+mn-lt"/>
+                <a:ea typeface="+mn-ea"/>
+                <a:cs typeface="+mn-cs"/>
+              </a:defRPr>
+            </a:lvl8pPr>
+            <a:lvl9pPr marL="3886200" indent="-228600" algn="l" defTabSz="914400" rtl="0" eaLnBrk="1" latinLnBrk="0" hangingPunct="1">
+              <a:lnSpc>
+                <a:spcPct val="90000"/>
+              </a:lnSpc>
+              <a:spcBef>
+                <a:spcPts val="500"/>
+              </a:spcBef>
+              <a:buFont typeface="Arial" panose="020B0604020202020204" pitchFamily="34" charset="0"/>
+              <a:buChar char="•"/>
+              <a:defRPr sz="1800" kern="1200">
+                <a:solidFill>
+                  <a:schemeClr val="tx1"/>
+                </a:solidFill>
+                <a:latin typeface="+mn-lt"/>
+                <a:ea typeface="+mn-ea"/>
+                <a:cs typeface="+mn-cs"/>
+              </a:defRPr>
+            </a:lvl9pPr>
+          </a:lstStyle>
+          <a:p>
+            <a:pPr marL="0" indent="0">
+              <a:buNone/>
+            </a:pPr>
+            <a:r>
+              <a:rPr lang="en-US" dirty="0">
+                <a:effectLst/>
+                <a:latin typeface="Arial" panose="020B0604020202020204" pitchFamily="34" charset="0"/>
+              </a:rPr>
+              <a:t>Exploring the SZ lossy compressor use for the XIOS I/O server</a:t>
+            </a:r>
+            <a:endParaRPr lang="en-US" altLang="x-none" dirty="0">
+              <a:solidFill>
+                <a:srgbClr val="0432FF"/>
+              </a:solidFill>
+            </a:endParaRPr>
+          </a:p>
+        </p:txBody>
+      </p:sp>
+      <p:pic>
+        <p:nvPicPr>
+          <p:cNvPr id="6" name="Content Placeholder 5" descr="A picture containing text, screenshot, font&#10;&#10;Description automatically generated">
+            <a:extLst>
+              <a:ext uri="{FF2B5EF4-FFF2-40B4-BE49-F238E27FC236}">
+                <a16:creationId xmlns:a16="http://schemas.microsoft.com/office/drawing/2014/main" id="{A780C84D-9B6A-2F1D-B85B-0E3CFFAF8BC4}"/>
+              </a:ext>
+            </a:extLst>
+          </p:cNvPr>
+          <p:cNvPicPr>
+            <a:picLocks noGrp="1" noChangeAspect="1"/>
+          </p:cNvPicPr>
+          <p:nvPr>
+            <p:ph idx="1"/>
+          </p:nvPr>
+        </p:nvPicPr>
+        <p:blipFill>
+          <a:blip r:embed="rId3"/>
+          <a:stretch>
+            <a:fillRect/>
+          </a:stretch>
+        </p:blipFill>
+        <p:spPr>
+          <a:xfrm>
+            <a:off x="681038" y="2483703"/>
+            <a:ext cx="8543925" cy="3327281"/>
+          </a:xfrm>
+        </p:spPr>
+      </p:pic>
+    </p:spTree>
+    <p:extLst>
+      <p:ext uri="{BB962C8B-B14F-4D97-AF65-F5344CB8AC3E}">
+        <p14:creationId xmlns:p14="http://schemas.microsoft.com/office/powerpoint/2010/main" val="887657918"/>
+      </p:ext>
+    </p:extLst>
+  </p:cSld>
+  <p:clrMapOvr>
+    <a:masterClrMapping/>
+  </p:clrMapOvr>
+</p:sld>
+</file>
+
+<file path=ppt/slides/slide11.xml><?xml version="1.0" encoding="utf-8"?>
+<p:sld xmlns:a="http://schemas.openxmlformats.org/drawingml/2006/main" xmlns:r="http://schemas.openxmlformats.org/officeDocument/2006/relationships" xmlns:p="http://schemas.openxmlformats.org/presentationml/2006/main">
+  <p:cSld>
+    <p:spTree>
+      <p:nvGrpSpPr>
+        <p:cNvPr id="1" name=""/>
+        <p:cNvGrpSpPr/>
+        <p:nvPr/>
+      </p:nvGrpSpPr>
+      <p:grpSpPr>
+        <a:xfrm>
+          <a:off x="0" y="0"/>
+          <a:ext cx="0" cy="0"/>
+          <a:chOff x="0" y="0"/>
+          <a:chExt cx="0" cy="0"/>
+        </a:xfrm>
+      </p:grpSpPr>
+      <p:sp>
+        <p:nvSpPr>
+          <p:cNvPr id="2" name="Title 1"/>
+          <p:cNvSpPr>
+            <a:spLocks noGrp="1"/>
+          </p:cNvSpPr>
+          <p:nvPr>
+            <p:ph type="title"/>
+          </p:nvPr>
+        </p:nvSpPr>
+        <p:spPr/>
+        <p:txBody>
+          <a:bodyPr>
+            <a:normAutofit/>
+          </a:bodyPr>
+          <a:lstStyle/>
+          <a:p>
+            <a:r>
+              <a:rPr lang="en-US" dirty="0"/>
               <a:t>Customize the </a:t>
             </a:r>
             <a:r>
@@ -4479,7 +4864,7 @@
 </p:sld>
 </file>
 
-<file path=ppt/slides/slide11.xml><?xml version="1.0" encoding="utf-8"?>
+<file path=ppt/slides/slide12.xml><?xml version="1.0" encoding="utf-8"?>
 <p:sld xmlns:a="http://schemas.openxmlformats.org/drawingml/2006/main" xmlns:r="http://schemas.openxmlformats.org/officeDocument/2006/relationships" xmlns:p="http://schemas.openxmlformats.org/presentationml/2006/main">
   <p:cSld>
     <p:spTree>
@@ -4864,7 +5249,7 @@
 </p:sld>
 </file>
 
-<file path=ppt/slides/slide12.xml><?xml version="1.0" encoding="utf-8"?>
+<file path=ppt/slides/slide13.xml><?xml version="1.0" encoding="utf-8"?>
 <p:sld xmlns:a="http://schemas.openxmlformats.org/drawingml/2006/main" xmlns:r="http://schemas.openxmlformats.org/officeDocument/2006/relationships" xmlns:p="http://schemas.openxmlformats.org/presentationml/2006/main">
   <p:cSld>
     <p:spTree>
@@ -5294,7 +5679,7 @@
 </p:sld>
 </file>
 
-<file path=ppt/slides/slide13.xml><?xml version="1.0" encoding="utf-8"?>
+<file path=ppt/slides/slide14.xml><?xml version="1.0" encoding="utf-8"?>
 <p:sld xmlns:a="http://schemas.openxmlformats.org/drawingml/2006/main" xmlns:r="http://schemas.openxmlformats.org/officeDocument/2006/relationships" xmlns:p="http://schemas.openxmlformats.org/presentationml/2006/main">
   <p:cSld>
     <p:spTree>
@@ -5767,146 +6152,6 @@
 </p:sld>
 </file>
 
-<file path=ppt/slides/slide14.xml><?xml version="1.0" encoding="utf-8"?>
-<p:sld xmlns:a="http://schemas.openxmlformats.org/drawingml/2006/main" xmlns:r="http://schemas.openxmlformats.org/officeDocument/2006/relationships" xmlns:p="http://schemas.openxmlformats.org/presentationml/2006/main">
-  <p:cSld>
-    <p:spTree>
-      <p:nvGrpSpPr>
-        <p:cNvPr id="1" name=""/>
-        <p:cNvGrpSpPr/>
-        <p:nvPr/>
-      </p:nvGrpSpPr>
-      <p:grpSpPr>
-        <a:xfrm>
-          <a:off x="0" y="0"/>
-          <a:ext cx="0" cy="0"/>
-          <a:chOff x="0" y="0"/>
-          <a:chExt cx="0" cy="0"/>
-        </a:xfrm>
-      </p:grpSpPr>
-      <p:sp>
-        <p:nvSpPr>
-          <p:cNvPr id="2" name="Title 1"/>
-          <p:cNvSpPr>
-            <a:spLocks noGrp="1"/>
-          </p:cNvSpPr>
-          <p:nvPr>
-            <p:ph type="title"/>
-          </p:nvPr>
-        </p:nvSpPr>
-        <p:spPr/>
-        <p:txBody>
-          <a:bodyPr/>
-          <a:lstStyle/>
-          <a:p>
-            <a:r>
-              <a:rPr lang="en-US" dirty="0"/>
-              <a:t>Conclusion</a:t>
-            </a:r>
-            <a:endParaRPr lang="x-none" dirty="0"/>
-          </a:p>
-        </p:txBody>
-      </p:sp>
-      <p:sp>
-        <p:nvSpPr>
-          <p:cNvPr id="3" name="Content Placeholder 2"/>
-          <p:cNvSpPr>
-            <a:spLocks noGrp="1"/>
-          </p:cNvSpPr>
-          <p:nvPr>
-            <p:ph idx="1"/>
-          </p:nvPr>
-        </p:nvSpPr>
-        <p:spPr>
-          <a:xfrm>
-            <a:off x="681038" y="1690691"/>
-            <a:ext cx="8543925" cy="4486272"/>
-          </a:xfrm>
-        </p:spPr>
-        <p:txBody>
-          <a:bodyPr>
-            <a:normAutofit/>
-          </a:bodyPr>
-          <a:lstStyle/>
-          <a:p>
-            <a:r>
-              <a:rPr lang="en-US" dirty="0">
-                <a:solidFill>
-                  <a:srgbClr val="0432FF"/>
-                </a:solidFill>
-              </a:rPr>
-              <a:t>The SIGIOT occurred when running ns-3 simulation after the coordinates conversion</a:t>
-            </a:r>
-          </a:p>
-          <a:p>
-            <a:r>
-              <a:rPr lang="en-US" dirty="0">
-                <a:solidFill>
-                  <a:srgbClr val="0432FF"/>
-                </a:solidFill>
-              </a:rPr>
-              <a:t>No difference in I/O performance compressed and uncompressed that indicates modified of </a:t>
-            </a:r>
-            <a:r>
-              <a:rPr lang="en-US" dirty="0" err="1">
-                <a:solidFill>
-                  <a:srgbClr val="0432FF"/>
-                </a:solidFill>
-              </a:rPr>
-              <a:t>iodef.xml</a:t>
-            </a:r>
-            <a:r>
-              <a:rPr lang="en-US" dirty="0">
-                <a:solidFill>
-                  <a:srgbClr val="0432FF"/>
-                </a:solidFill>
-              </a:rPr>
-              <a:t> is not successful.</a:t>
-            </a:r>
-          </a:p>
-          <a:p>
-            <a:r>
-              <a:rPr lang="en-US" dirty="0">
-                <a:solidFill>
-                  <a:srgbClr val="0432FF"/>
-                </a:solidFill>
-              </a:rPr>
-              <a:t>The project migrated successfully into </a:t>
-            </a:r>
-            <a:r>
-              <a:rPr lang="en-US" dirty="0" err="1">
-                <a:solidFill>
-                  <a:srgbClr val="0432FF"/>
-                </a:solidFill>
-              </a:rPr>
-              <a:t>HPCLab</a:t>
-            </a:r>
-            <a:r>
-              <a:rPr lang="en-US" dirty="0">
-                <a:solidFill>
-                  <a:srgbClr val="0432FF"/>
-                </a:solidFill>
-              </a:rPr>
-              <a:t> Gitlab</a:t>
-            </a:r>
-          </a:p>
-          <a:p>
-            <a:endParaRPr lang="en-US" dirty="0">
-              <a:solidFill>
-                <a:srgbClr val="0432FF"/>
-              </a:solidFill>
-            </a:endParaRPr>
-          </a:p>
-        </p:txBody>
-      </p:sp>
-    </p:spTree>
-  </p:cSld>
-  <p:clrMapOvr>
-    <a:masterClrMapping/>
-  </p:clrMapOvr>
-</p:sld>
-</file>
-
 <file path=ppt/slides/slide15.xml><?xml version="1.0" encoding="utf-8"?>
 <p:sld xmlns:a="http://schemas.openxmlformats.org/drawingml/2006/main" xmlns:r="http://schemas.openxmlformats.org/officeDocument/2006/relationships" xmlns:p="http://schemas.openxmlformats.org/presentationml/2006/main">
   <p:cSld>
@@ -5941,7 +6186,7 @@
           <a:p>
             <a:r>
               <a:rPr lang="en-US" dirty="0"/>
-              <a:t>Your opinion/thought</a:t>
+              <a:t>Conclusion</a:t>
             </a:r>
             <a:endParaRPr lang="x-none" dirty="0"/>
           </a:p>
@@ -5964,7 +6209,9 @@
           </a:xfrm>
         </p:spPr>
         <p:txBody>
-          <a:bodyPr/>
+          <a:bodyPr>
+            <a:normAutofit/>
+          </a:bodyPr>
           <a:lstStyle/>
           <a:p>
             <a:r>
@@ -5973,7 +6220,7 @@
                   <a:srgbClr val="0432FF"/>
                 </a:solidFill>
               </a:rPr>
-              <a:t>Enable logging of latitude and longitude values to ensure the values have valid for coordinates conversion.</a:t>
+              <a:t>The SIGIOT occurred when running ns-3 simulation after the coordinates conversion</a:t>
             </a:r>
           </a:p>
           <a:p>
@@ -5983,7 +6230,7 @@
                   <a:srgbClr val="0432FF"/>
                 </a:solidFill>
               </a:rPr>
-              <a:t>The </a:t>
+              <a:t>No difference in I/O performance compressed and uncompressed that indicates modified of </a:t>
             </a:r>
             <a:r>
               <a:rPr lang="en-US" dirty="0" err="1">
@@ -5999,8 +6246,41 @@
                   <a:srgbClr val="0432FF"/>
                 </a:solidFill>
               </a:rPr>
-              <a:t> modification is not successful. The compression option maybe can be forced directly from the code.</a:t>
-            </a:r>
+              <a:t> is not successful.</a:t>
+            </a:r>
+          </a:p>
+          <a:p>
+            <a:r>
+              <a:rPr lang="en-US" dirty="0">
+                <a:solidFill>
+                  <a:srgbClr val="0432FF"/>
+                </a:solidFill>
+              </a:rPr>
+              <a:t>The project migrated successfully into </a:t>
+            </a:r>
+            <a:r>
+              <a:rPr lang="en-US" dirty="0" err="1">
+                <a:solidFill>
+                  <a:srgbClr val="0432FF"/>
+                </a:solidFill>
+              </a:rPr>
+              <a:t>HPCLab</a:t>
+            </a:r>
+            <a:r>
+              <a:rPr lang="en-US" dirty="0">
+                <a:solidFill>
+                  <a:srgbClr val="0432FF"/>
+                </a:solidFill>
+              </a:rPr>
+              <a:t> Gitlab</a:t>
+            </a:r>
+          </a:p>
+          <a:p>
+            <a:endParaRPr lang="en-US" dirty="0">
+              <a:solidFill>
+                <a:srgbClr val="0432FF"/>
+              </a:solidFill>
+            </a:endParaRPr>
           </a:p>
         </p:txBody>
       </p:sp>
@@ -6046,7 +6326,7 @@
           <a:p>
             <a:r>
               <a:rPr lang="en-US" dirty="0"/>
-              <a:t>Action items</a:t>
+              <a:t>Your opinion/thought</a:t>
             </a:r>
             <a:endParaRPr lang="x-none" dirty="0"/>
           </a:p>
@@ -6078,6 +6358,111 @@
                   <a:srgbClr val="0432FF"/>
                 </a:solidFill>
               </a:rPr>
+              <a:t>Enable logging of latitude and longitude values to ensure the values have valid for coordinates conversion.</a:t>
+            </a:r>
+          </a:p>
+          <a:p>
+            <a:r>
+              <a:rPr lang="en-US" dirty="0">
+                <a:solidFill>
+                  <a:srgbClr val="0432FF"/>
+                </a:solidFill>
+              </a:rPr>
+              <a:t>The </a:t>
+            </a:r>
+            <a:r>
+              <a:rPr lang="en-US" dirty="0" err="1">
+                <a:solidFill>
+                  <a:srgbClr val="0432FF"/>
+                </a:solidFill>
+              </a:rPr>
+              <a:t>iodef.xml</a:t>
+            </a:r>
+            <a:r>
+              <a:rPr lang="en-US" dirty="0">
+                <a:solidFill>
+                  <a:srgbClr val="0432FF"/>
+                </a:solidFill>
+              </a:rPr>
+              <a:t> modification is not successful. The compression option maybe can be forced directly from the code.</a:t>
+            </a:r>
+          </a:p>
+        </p:txBody>
+      </p:sp>
+    </p:spTree>
+  </p:cSld>
+  <p:clrMapOvr>
+    <a:masterClrMapping/>
+  </p:clrMapOvr>
+</p:sld>
+</file>
+
+<file path=ppt/slides/slide17.xml><?xml version="1.0" encoding="utf-8"?>
+<p:sld xmlns:a="http://schemas.openxmlformats.org/drawingml/2006/main" xmlns:r="http://schemas.openxmlformats.org/officeDocument/2006/relationships" xmlns:p="http://schemas.openxmlformats.org/presentationml/2006/main">
+  <p:cSld>
+    <p:spTree>
+      <p:nvGrpSpPr>
+        <p:cNvPr id="1" name=""/>
+        <p:cNvGrpSpPr/>
+        <p:nvPr/>
+      </p:nvGrpSpPr>
+      <p:grpSpPr>
+        <a:xfrm>
+          <a:off x="0" y="0"/>
+          <a:ext cx="0" cy="0"/>
+          <a:chOff x="0" y="0"/>
+          <a:chExt cx="0" cy="0"/>
+        </a:xfrm>
+      </p:grpSpPr>
+      <p:sp>
+        <p:nvSpPr>
+          <p:cNvPr id="2" name="Title 1"/>
+          <p:cNvSpPr>
+            <a:spLocks noGrp="1"/>
+          </p:cNvSpPr>
+          <p:nvPr>
+            <p:ph type="title"/>
+          </p:nvPr>
+        </p:nvSpPr>
+        <p:spPr/>
+        <p:txBody>
+          <a:bodyPr/>
+          <a:lstStyle/>
+          <a:p>
+            <a:r>
+              <a:rPr lang="en-US" dirty="0"/>
+              <a:t>Action items</a:t>
+            </a:r>
+            <a:endParaRPr lang="x-none" dirty="0"/>
+          </a:p>
+        </p:txBody>
+      </p:sp>
+      <p:sp>
+        <p:nvSpPr>
+          <p:cNvPr id="3" name="Content Placeholder 2"/>
+          <p:cNvSpPr>
+            <a:spLocks noGrp="1"/>
+          </p:cNvSpPr>
+          <p:nvPr>
+            <p:ph idx="1"/>
+          </p:nvPr>
+        </p:nvSpPr>
+        <p:spPr>
+          <a:xfrm>
+            <a:off x="681038" y="1690691"/>
+            <a:ext cx="8543925" cy="4486272"/>
+          </a:xfrm>
+        </p:spPr>
+        <p:txBody>
+          <a:bodyPr/>
+          <a:lstStyle/>
+          <a:p>
+            <a:r>
+              <a:rPr lang="en-US" dirty="0">
+                <a:solidFill>
+                  <a:srgbClr val="0432FF"/>
+                </a:solidFill>
+              </a:rPr>
               <a:t>Enable logging and convert </a:t>
             </a:r>
             <a:r>
@@ -6114,21 +6499,8 @@
                   <a:srgbClr val="0432FF"/>
                 </a:solidFill>
               </a:rPr>
-              <a:t>Test the SZ compression using H5Z-SZ </a:t>
-            </a:r>
-            <a:r>
-              <a:rPr lang="en-US">
-                <a:solidFill>
-                  <a:srgbClr val="0432FF"/>
-                </a:solidFill>
-              </a:rPr>
-              <a:t>filter.</a:t>
-            </a:r>
-            <a:endParaRPr lang="en-US" dirty="0">
-              <a:solidFill>
-                <a:srgbClr val="0432FF"/>
-              </a:solidFill>
-            </a:endParaRPr>
+              <a:t>Test the SZ compression using H5Z-SZ filter.</a:t>
+            </a:r>
           </a:p>
         </p:txBody>
       </p:sp>
@@ -6935,6 +7307,318 @@
           <a:p>
             <a:r>
               <a:rPr lang="en-US" dirty="0"/>
+              <a:t>Migrate Repositories</a:t>
+            </a:r>
+            <a:endParaRPr lang="x-none" dirty="0"/>
+          </a:p>
+        </p:txBody>
+      </p:sp>
+      <p:sp>
+        <p:nvSpPr>
+          <p:cNvPr id="4" name="Content Placeholder 2"/>
+          <p:cNvSpPr txBox="1"/>
+          <p:nvPr/>
+        </p:nvSpPr>
+        <p:spPr>
+          <a:xfrm>
+            <a:off x="863917" y="1421638"/>
+            <a:ext cx="8543925" cy="554307"/>
+          </a:xfrm>
+          <a:prstGeom prst="rect">
+            <a:avLst/>
+          </a:prstGeom>
+        </p:spPr>
+        <p:style>
+          <a:lnRef idx="1">
+            <a:schemeClr val="accent4"/>
+          </a:lnRef>
+          <a:fillRef idx="3">
+            <a:schemeClr val="accent4"/>
+          </a:fillRef>
+          <a:effectRef idx="2">
+            <a:schemeClr val="accent4"/>
+          </a:effectRef>
+          <a:fontRef idx="minor">
+            <a:schemeClr val="lt1"/>
+          </a:fontRef>
+        </p:style>
+        <p:txBody>
+          <a:bodyPr vert="horz" lIns="91440" tIns="45720" rIns="91440" bIns="45720" rtlCol="0">
+            <a:normAutofit/>
+          </a:bodyPr>
+          <a:lstStyle>
+            <a:lvl1pPr marL="228600" indent="-228600" algn="l" defTabSz="914400" rtl="0" eaLnBrk="1" latinLnBrk="0" hangingPunct="1">
+              <a:lnSpc>
+                <a:spcPct val="90000"/>
+              </a:lnSpc>
+              <a:spcBef>
+                <a:spcPts val="1000"/>
+              </a:spcBef>
+              <a:buFont typeface="Arial" panose="020B0604020202020204" pitchFamily="34" charset="0"/>
+              <a:buChar char="•"/>
+              <a:defRPr sz="2800" kern="1200">
+                <a:solidFill>
+                  <a:schemeClr val="tx1"/>
+                </a:solidFill>
+                <a:latin typeface="+mn-lt"/>
+                <a:ea typeface="+mn-ea"/>
+                <a:cs typeface="+mn-cs"/>
+              </a:defRPr>
+            </a:lvl1pPr>
+            <a:lvl2pPr marL="685800" indent="-228600" algn="l" defTabSz="914400" rtl="0" eaLnBrk="1" latinLnBrk="0" hangingPunct="1">
+              <a:lnSpc>
+                <a:spcPct val="90000"/>
+              </a:lnSpc>
+              <a:spcBef>
+                <a:spcPts val="500"/>
+              </a:spcBef>
+              <a:buFont typeface="Arial" panose="020B0604020202020204" pitchFamily="34" charset="0"/>
+              <a:buChar char="•"/>
+              <a:defRPr sz="2400" kern="1200">
+                <a:solidFill>
+                  <a:schemeClr val="tx1"/>
+                </a:solidFill>
+                <a:latin typeface="+mn-lt"/>
+                <a:ea typeface="+mn-ea"/>
+                <a:cs typeface="+mn-cs"/>
+              </a:defRPr>
+            </a:lvl2pPr>
+            <a:lvl3pPr marL="1143000" indent="-228600" algn="l" defTabSz="914400" rtl="0" eaLnBrk="1" latinLnBrk="0" hangingPunct="1">
+              <a:lnSpc>
+                <a:spcPct val="90000"/>
+              </a:lnSpc>
+              <a:spcBef>
+                <a:spcPts val="500"/>
+              </a:spcBef>
+              <a:buFont typeface="Arial" panose="020B0604020202020204" pitchFamily="34" charset="0"/>
+              <a:buChar char="•"/>
+              <a:defRPr sz="2000" kern="1200">
+                <a:solidFill>
+                  <a:schemeClr val="tx1"/>
+                </a:solidFill>
+                <a:latin typeface="+mn-lt"/>
+                <a:ea typeface="+mn-ea"/>
+                <a:cs typeface="+mn-cs"/>
+              </a:defRPr>
+            </a:lvl3pPr>
+            <a:lvl4pPr marL="1600200" indent="-228600" algn="l" defTabSz="914400" rtl="0" eaLnBrk="1" latinLnBrk="0" hangingPunct="1">
+              <a:lnSpc>
+                <a:spcPct val="90000"/>
+              </a:lnSpc>
+              <a:spcBef>
+                <a:spcPts val="500"/>
+              </a:spcBef>
+              <a:buFont typeface="Arial" panose="020B0604020202020204" pitchFamily="34" charset="0"/>
+              <a:buChar char="•"/>
+              <a:defRPr sz="1800" kern="1200">
+                <a:solidFill>
+                  <a:schemeClr val="tx1"/>
+                </a:solidFill>
+                <a:latin typeface="+mn-lt"/>
+                <a:ea typeface="+mn-ea"/>
+                <a:cs typeface="+mn-cs"/>
+              </a:defRPr>
+            </a:lvl4pPr>
+            <a:lvl5pPr marL="2057400" indent="-228600" algn="l" defTabSz="914400" rtl="0" eaLnBrk="1" latinLnBrk="0" hangingPunct="1">
+              <a:lnSpc>
+                <a:spcPct val="90000"/>
+              </a:lnSpc>
+              <a:spcBef>
+                <a:spcPts val="500"/>
+              </a:spcBef>
+              <a:buFont typeface="Arial" panose="020B0604020202020204" pitchFamily="34" charset="0"/>
+              <a:buChar char="•"/>
+              <a:defRPr sz="1800" kern="1200">
+                <a:solidFill>
+                  <a:schemeClr val="tx1"/>
+                </a:solidFill>
+                <a:latin typeface="+mn-lt"/>
+                <a:ea typeface="+mn-ea"/>
+                <a:cs typeface="+mn-cs"/>
+              </a:defRPr>
+            </a:lvl5pPr>
+            <a:lvl6pPr marL="2514600" indent="-228600" algn="l" defTabSz="914400" rtl="0" eaLnBrk="1" latinLnBrk="0" hangingPunct="1">
+              <a:lnSpc>
+                <a:spcPct val="90000"/>
+              </a:lnSpc>
+              <a:spcBef>
+                <a:spcPts val="500"/>
+              </a:spcBef>
+              <a:buFont typeface="Arial" panose="020B0604020202020204" pitchFamily="34" charset="0"/>
+              <a:buChar char="•"/>
+              <a:defRPr sz="1800" kern="1200">
+                <a:solidFill>
+                  <a:schemeClr val="tx1"/>
+                </a:solidFill>
+                <a:latin typeface="+mn-lt"/>
+                <a:ea typeface="+mn-ea"/>
+                <a:cs typeface="+mn-cs"/>
+              </a:defRPr>
+            </a:lvl6pPr>
+            <a:lvl7pPr marL="2971800" indent="-228600" algn="l" defTabSz="914400" rtl="0" eaLnBrk="1" latinLnBrk="0" hangingPunct="1">
+              <a:lnSpc>
+                <a:spcPct val="90000"/>
+              </a:lnSpc>
+              <a:spcBef>
+                <a:spcPts val="500"/>
+              </a:spcBef>
+              <a:buFont typeface="Arial" panose="020B0604020202020204" pitchFamily="34" charset="0"/>
+              <a:buChar char="•"/>
+              <a:defRPr sz="1800" kern="1200">
+                <a:solidFill>
+                  <a:schemeClr val="tx1"/>
+                </a:solidFill>
+                <a:latin typeface="+mn-lt"/>
+                <a:ea typeface="+mn-ea"/>
+                <a:cs typeface="+mn-cs"/>
+              </a:defRPr>
+            </a:lvl7pPr>
+            <a:lvl8pPr marL="3429000" indent="-228600" algn="l" defTabSz="914400" rtl="0" eaLnBrk="1" latinLnBrk="0" hangingPunct="1">
+              <a:lnSpc>
+                <a:spcPct val="90000"/>
+              </a:lnSpc>
+              <a:spcBef>
+                <a:spcPts val="500"/>
+              </a:spcBef>
+              <a:buFont typeface="Arial" panose="020B0604020202020204" pitchFamily="34" charset="0"/>
+              <a:buChar char="•"/>
+              <a:defRPr sz="1800" kern="1200">
+                <a:solidFill>
+                  <a:schemeClr val="tx1"/>
+                </a:solidFill>
+                <a:latin typeface="+mn-lt"/>
+                <a:ea typeface="+mn-ea"/>
+                <a:cs typeface="+mn-cs"/>
+              </a:defRPr>
+            </a:lvl8pPr>
+            <a:lvl9pPr marL="3886200" indent="-228600" algn="l" defTabSz="914400" rtl="0" eaLnBrk="1" latinLnBrk="0" hangingPunct="1">
+              <a:lnSpc>
+                <a:spcPct val="90000"/>
+              </a:lnSpc>
+              <a:spcBef>
+                <a:spcPts val="500"/>
+              </a:spcBef>
+              <a:buFont typeface="Arial" panose="020B0604020202020204" pitchFamily="34" charset="0"/>
+              <a:buChar char="•"/>
+              <a:defRPr sz="1800" kern="1200">
+                <a:solidFill>
+                  <a:schemeClr val="tx1"/>
+                </a:solidFill>
+                <a:latin typeface="+mn-lt"/>
+                <a:ea typeface="+mn-ea"/>
+                <a:cs typeface="+mn-cs"/>
+              </a:defRPr>
+            </a:lvl9pPr>
+          </a:lstStyle>
+          <a:p>
+            <a:pPr marL="0" indent="0">
+              <a:buNone/>
+            </a:pPr>
+            <a:r>
+              <a:rPr lang="en-US" altLang="x-none" dirty="0">
+                <a:solidFill>
+                  <a:srgbClr val="0432FF"/>
+                </a:solidFill>
+              </a:rPr>
+              <a:t>migrate from GitHub into </a:t>
+            </a:r>
+            <a:r>
+              <a:rPr lang="en-US" altLang="x-none" dirty="0" err="1">
+                <a:solidFill>
+                  <a:srgbClr val="0432FF"/>
+                </a:solidFill>
+              </a:rPr>
+              <a:t>HPClab</a:t>
+            </a:r>
+            <a:r>
+              <a:rPr lang="en-US" altLang="x-none" dirty="0">
+                <a:solidFill>
+                  <a:srgbClr val="0432FF"/>
+                </a:solidFill>
+              </a:rPr>
+              <a:t> Gitlab</a:t>
+            </a:r>
+          </a:p>
+        </p:txBody>
+      </p:sp>
+      <p:pic>
+        <p:nvPicPr>
+          <p:cNvPr id="5" name="Content Placeholder 4" descr="A screenshot of a computer&#10;&#10;Description automatically generated with low confidence">
+            <a:extLst>
+              <a:ext uri="{FF2B5EF4-FFF2-40B4-BE49-F238E27FC236}">
+                <a16:creationId xmlns:a16="http://schemas.microsoft.com/office/drawing/2014/main" id="{E0A55AED-61EF-804E-2C71-98BB17AD4EB1}"/>
+              </a:ext>
+            </a:extLst>
+          </p:cNvPr>
+          <p:cNvPicPr>
+            <a:picLocks noGrp="1" noChangeAspect="1"/>
+          </p:cNvPicPr>
+          <p:nvPr>
+            <p:ph idx="1"/>
+          </p:nvPr>
+        </p:nvPicPr>
+        <p:blipFill>
+          <a:blip r:embed="rId3"/>
+          <a:stretch>
+            <a:fillRect/>
+          </a:stretch>
+        </p:blipFill>
+        <p:spPr>
+          <a:xfrm>
+            <a:off x="2416147" y="2100263"/>
+            <a:ext cx="5256268" cy="2781300"/>
+          </a:xfrm>
+        </p:spPr>
+      </p:pic>
+    </p:spTree>
+    <p:extLst>
+      <p:ext uri="{BB962C8B-B14F-4D97-AF65-F5344CB8AC3E}">
+        <p14:creationId xmlns:p14="http://schemas.microsoft.com/office/powerpoint/2010/main" val="2385402266"/>
+      </p:ext>
+    </p:extLst>
+  </p:cSld>
+  <p:clrMapOvr>
+    <a:masterClrMapping/>
+  </p:clrMapOvr>
+</p:sld>
+</file>
+
+<file path=ppt/slides/slide8.xml><?xml version="1.0" encoding="utf-8"?>
+<p:sld xmlns:a="http://schemas.openxmlformats.org/drawingml/2006/main" xmlns:r="http://schemas.openxmlformats.org/officeDocument/2006/relationships" xmlns:p="http://schemas.openxmlformats.org/presentationml/2006/main">
+  <p:cSld>
+    <p:spTree>
+      <p:nvGrpSpPr>
+        <p:cNvPr id="1" name=""/>
+        <p:cNvGrpSpPr/>
+        <p:nvPr/>
+      </p:nvGrpSpPr>
+      <p:grpSpPr>
+        <a:xfrm>
+          <a:off x="0" y="0"/>
+          <a:ext cx="0" cy="0"/>
+          <a:chOff x="0" y="0"/>
+          <a:chExt cx="0" cy="0"/>
+        </a:xfrm>
+      </p:grpSpPr>
+      <p:sp>
+        <p:nvSpPr>
+          <p:cNvPr id="2" name="Title 1"/>
+          <p:cNvSpPr>
+            <a:spLocks noGrp="1"/>
+          </p:cNvSpPr>
+          <p:nvPr>
+            <p:ph type="title"/>
+          </p:nvPr>
+        </p:nvSpPr>
+        <p:spPr/>
+        <p:txBody>
+          <a:bodyPr>
+            <a:normAutofit/>
+          </a:bodyPr>
+          <a:lstStyle/>
+          <a:p>
+            <a:r>
+              <a:rPr lang="en-US" dirty="0"/>
               <a:t>NS-3 visualization</a:t>
             </a:r>
             <a:endParaRPr lang="x-none" dirty="0"/>
@@ -7194,7 +7878,7 @@
 </p:sld>
 </file>
 
-<file path=ppt/slides/slide8.xml><?xml version="1.0" encoding="utf-8"?>
+<file path=ppt/slides/slide9.xml><?xml version="1.0" encoding="utf-8"?>
 <p:sld xmlns:a="http://schemas.openxmlformats.org/drawingml/2006/main" xmlns:r="http://schemas.openxmlformats.org/officeDocument/2006/relationships" xmlns:p="http://schemas.openxmlformats.org/presentationml/2006/main">
   <p:cSld>
     <p:spTree>
@@ -7530,306 +8214,6 @@
     <p:extLst>
       <p:ext uri="{BB962C8B-B14F-4D97-AF65-F5344CB8AC3E}">
         <p14:creationId xmlns:p14="http://schemas.microsoft.com/office/powerpoint/2010/main" val="2380211366"/>
-      </p:ext>
-    </p:extLst>
-  </p:cSld>
-  <p:clrMapOvr>
-    <a:masterClrMapping/>
-  </p:clrMapOvr>
-</p:sld>
-</file>
-
-<file path=ppt/slides/slide9.xml><?xml version="1.0" encoding="utf-8"?>
-<p:sld xmlns:a="http://schemas.openxmlformats.org/drawingml/2006/main" xmlns:r="http://schemas.openxmlformats.org/officeDocument/2006/relationships" xmlns:p="http://schemas.openxmlformats.org/presentationml/2006/main">
-  <p:cSld>
-    <p:spTree>
-      <p:nvGrpSpPr>
-        <p:cNvPr id="1" name=""/>
-        <p:cNvGrpSpPr/>
-        <p:nvPr/>
-      </p:nvGrpSpPr>
-      <p:grpSpPr>
-        <a:xfrm>
-          <a:off x="0" y="0"/>
-          <a:ext cx="0" cy="0"/>
-          <a:chOff x="0" y="0"/>
-          <a:chExt cx="0" cy="0"/>
-        </a:xfrm>
-      </p:grpSpPr>
-      <p:sp>
-        <p:nvSpPr>
-          <p:cNvPr id="2" name="Title 1"/>
-          <p:cNvSpPr>
-            <a:spLocks noGrp="1"/>
-          </p:cNvSpPr>
-          <p:nvPr>
-            <p:ph type="title"/>
-          </p:nvPr>
-        </p:nvSpPr>
-        <p:spPr/>
-        <p:txBody>
-          <a:bodyPr>
-            <a:normAutofit/>
-          </a:bodyPr>
-          <a:lstStyle/>
-          <a:p>
-            <a:r>
-              <a:rPr lang="en-US" dirty="0"/>
-              <a:t>Study customize XIOS</a:t>
-            </a:r>
-            <a:endParaRPr lang="x-none" dirty="0"/>
-          </a:p>
-        </p:txBody>
-      </p:sp>
-      <p:sp>
-        <p:nvSpPr>
-          <p:cNvPr id="4" name="Content Placeholder 2"/>
-          <p:cNvSpPr txBox="1"/>
-          <p:nvPr/>
-        </p:nvSpPr>
-        <p:spPr>
-          <a:xfrm>
-            <a:off x="863917" y="1421638"/>
-            <a:ext cx="8543925" cy="554307"/>
-          </a:xfrm>
-          <a:prstGeom prst="rect">
-            <a:avLst/>
-          </a:prstGeom>
-        </p:spPr>
-        <p:style>
-          <a:lnRef idx="1">
-            <a:schemeClr val="accent4"/>
-          </a:lnRef>
-          <a:fillRef idx="3">
-            <a:schemeClr val="accent4"/>
-          </a:fillRef>
-          <a:effectRef idx="2">
-            <a:schemeClr val="accent4"/>
-          </a:effectRef>
-          <a:fontRef idx="minor">
-            <a:schemeClr val="lt1"/>
-          </a:fontRef>
-        </p:style>
-        <p:txBody>
-          <a:bodyPr vert="horz" lIns="91440" tIns="45720" rIns="91440" bIns="45720" rtlCol="0">
-            <a:normAutofit fontScale="77500" lnSpcReduction="20000"/>
-          </a:bodyPr>
-          <a:lstStyle>
-            <a:lvl1pPr marL="228600" indent="-228600" algn="l" defTabSz="914400" rtl="0" eaLnBrk="1" latinLnBrk="0" hangingPunct="1">
-              <a:lnSpc>
-                <a:spcPct val="90000"/>
-              </a:lnSpc>
-              <a:spcBef>
-                <a:spcPts val="1000"/>
-              </a:spcBef>
-              <a:buFont typeface="Arial" panose="020B0604020202020204" pitchFamily="34" charset="0"/>
-              <a:buChar char="•"/>
-              <a:defRPr sz="2800" kern="1200">
-                <a:solidFill>
-                  <a:schemeClr val="tx1"/>
-                </a:solidFill>
-                <a:latin typeface="+mn-lt"/>
-                <a:ea typeface="+mn-ea"/>
-                <a:cs typeface="+mn-cs"/>
-              </a:defRPr>
-            </a:lvl1pPr>
-            <a:lvl2pPr marL="685800" indent="-228600" algn="l" defTabSz="914400" rtl="0" eaLnBrk="1" latinLnBrk="0" hangingPunct="1">
-              <a:lnSpc>
-                <a:spcPct val="90000"/>
-              </a:lnSpc>
-              <a:spcBef>
-                <a:spcPts val="500"/>
-              </a:spcBef>
-              <a:buFont typeface="Arial" panose="020B0604020202020204" pitchFamily="34" charset="0"/>
-              <a:buChar char="•"/>
-              <a:defRPr sz="2400" kern="1200">
-                <a:solidFill>
-                  <a:schemeClr val="tx1"/>
-                </a:solidFill>
-                <a:latin typeface="+mn-lt"/>
-                <a:ea typeface="+mn-ea"/>
-                <a:cs typeface="+mn-cs"/>
-              </a:defRPr>
-            </a:lvl2pPr>
-            <a:lvl3pPr marL="1143000" indent="-228600" algn="l" defTabSz="914400" rtl="0" eaLnBrk="1" latinLnBrk="0" hangingPunct="1">
-              <a:lnSpc>
-                <a:spcPct val="90000"/>
-              </a:lnSpc>
-              <a:spcBef>
-                <a:spcPts val="500"/>
-              </a:spcBef>
-              <a:buFont typeface="Arial" panose="020B0604020202020204" pitchFamily="34" charset="0"/>
-              <a:buChar char="•"/>
-              <a:defRPr sz="2000" kern="1200">
-                <a:solidFill>
-                  <a:schemeClr val="tx1"/>
-                </a:solidFill>
-                <a:latin typeface="+mn-lt"/>
-                <a:ea typeface="+mn-ea"/>
-                <a:cs typeface="+mn-cs"/>
-              </a:defRPr>
-            </a:lvl3pPr>
-            <a:lvl4pPr marL="1600200" indent="-228600" algn="l" defTabSz="914400" rtl="0" eaLnBrk="1" latinLnBrk="0" hangingPunct="1">
-              <a:lnSpc>
-                <a:spcPct val="90000"/>
-              </a:lnSpc>
-              <a:spcBef>
-                <a:spcPts val="500"/>
-              </a:spcBef>
-              <a:buFont typeface="Arial" panose="020B0604020202020204" pitchFamily="34" charset="0"/>
-              <a:buChar char="•"/>
-              <a:defRPr sz="1800" kern="1200">
-                <a:solidFill>
-                  <a:schemeClr val="tx1"/>
-                </a:solidFill>
-                <a:latin typeface="+mn-lt"/>
-                <a:ea typeface="+mn-ea"/>
-                <a:cs typeface="+mn-cs"/>
-              </a:defRPr>
-            </a:lvl4pPr>
-            <a:lvl5pPr marL="2057400" indent="-228600" algn="l" defTabSz="914400" rtl="0" eaLnBrk="1" latinLnBrk="0" hangingPunct="1">
-              <a:lnSpc>
-                <a:spcPct val="90000"/>
-              </a:lnSpc>
-              <a:spcBef>
-                <a:spcPts val="500"/>
-              </a:spcBef>
-              <a:buFont typeface="Arial" panose="020B0604020202020204" pitchFamily="34" charset="0"/>
-              <a:buChar char="•"/>
-              <a:defRPr sz="1800" kern="1200">
-                <a:solidFill>
-                  <a:schemeClr val="tx1"/>
-                </a:solidFill>
-                <a:latin typeface="+mn-lt"/>
-                <a:ea typeface="+mn-ea"/>
-                <a:cs typeface="+mn-cs"/>
-              </a:defRPr>
-            </a:lvl5pPr>
-            <a:lvl6pPr marL="2514600" indent="-228600" algn="l" defTabSz="914400" rtl="0" eaLnBrk="1" latinLnBrk="0" hangingPunct="1">
-              <a:lnSpc>
-                <a:spcPct val="90000"/>
-              </a:lnSpc>
-              <a:spcBef>
-                <a:spcPts val="500"/>
-              </a:spcBef>
-              <a:buFont typeface="Arial" panose="020B0604020202020204" pitchFamily="34" charset="0"/>
-              <a:buChar char="•"/>
-              <a:defRPr sz="1800" kern="1200">
-                <a:solidFill>
-                  <a:schemeClr val="tx1"/>
-                </a:solidFill>
-                <a:latin typeface="+mn-lt"/>
-                <a:ea typeface="+mn-ea"/>
-                <a:cs typeface="+mn-cs"/>
-              </a:defRPr>
-            </a:lvl6pPr>
-            <a:lvl7pPr marL="2971800" indent="-228600" algn="l" defTabSz="914400" rtl="0" eaLnBrk="1" latinLnBrk="0" hangingPunct="1">
-              <a:lnSpc>
-                <a:spcPct val="90000"/>
-              </a:lnSpc>
-              <a:spcBef>
-                <a:spcPts val="500"/>
-              </a:spcBef>
-              <a:buFont typeface="Arial" panose="020B0604020202020204" pitchFamily="34" charset="0"/>
-              <a:buChar char="•"/>
-              <a:defRPr sz="1800" kern="1200">
-                <a:solidFill>
-                  <a:schemeClr val="tx1"/>
-                </a:solidFill>
-                <a:latin typeface="+mn-lt"/>
-                <a:ea typeface="+mn-ea"/>
-                <a:cs typeface="+mn-cs"/>
-              </a:defRPr>
-            </a:lvl7pPr>
-            <a:lvl8pPr marL="3429000" indent="-228600" algn="l" defTabSz="914400" rtl="0" eaLnBrk="1" latinLnBrk="0" hangingPunct="1">
-              <a:lnSpc>
-                <a:spcPct val="90000"/>
-              </a:lnSpc>
-              <a:spcBef>
-                <a:spcPts val="500"/>
-              </a:spcBef>
-              <a:buFont typeface="Arial" panose="020B0604020202020204" pitchFamily="34" charset="0"/>
-              <a:buChar char="•"/>
-              <a:defRPr sz="1800" kern="1200">
-                <a:solidFill>
-                  <a:schemeClr val="tx1"/>
-                </a:solidFill>
-                <a:latin typeface="+mn-lt"/>
-                <a:ea typeface="+mn-ea"/>
-                <a:cs typeface="+mn-cs"/>
-              </a:defRPr>
-            </a:lvl8pPr>
-            <a:lvl9pPr marL="3886200" indent="-228600" algn="l" defTabSz="914400" rtl="0" eaLnBrk="1" latinLnBrk="0" hangingPunct="1">
-              <a:lnSpc>
-                <a:spcPct val="90000"/>
-              </a:lnSpc>
-              <a:spcBef>
-                <a:spcPts val="500"/>
-              </a:spcBef>
-              <a:buFont typeface="Arial" panose="020B0604020202020204" pitchFamily="34" charset="0"/>
-              <a:buChar char="•"/>
-              <a:defRPr sz="1800" kern="1200">
-                <a:solidFill>
-                  <a:schemeClr val="tx1"/>
-                </a:solidFill>
-                <a:latin typeface="+mn-lt"/>
-                <a:ea typeface="+mn-ea"/>
-                <a:cs typeface="+mn-cs"/>
-              </a:defRPr>
-            </a:lvl9pPr>
-          </a:lstStyle>
-          <a:p>
-            <a:pPr marL="0" indent="0">
-              <a:buNone/>
-            </a:pPr>
-            <a:r>
-              <a:rPr lang="en-US" dirty="0">
-                <a:effectLst/>
-                <a:latin typeface="Arial" panose="020B0604020202020204" pitchFamily="34" charset="0"/>
-              </a:rPr>
-              <a:t>Exploring the SZ lossy compressor use for the XIOS I/O server</a:t>
-            </a:r>
-            <a:endParaRPr lang="en-US" altLang="x-none" dirty="0">
-              <a:solidFill>
-                <a:srgbClr val="0432FF"/>
-              </a:solidFill>
-            </a:endParaRPr>
-          </a:p>
-        </p:txBody>
-      </p:sp>
-      <p:pic>
-        <p:nvPicPr>
-          <p:cNvPr id="6" name="Content Placeholder 5" descr="A picture containing text, screenshot, font&#10;&#10;Description automatically generated">
-            <a:extLst>
-              <a:ext uri="{FF2B5EF4-FFF2-40B4-BE49-F238E27FC236}">
-                <a16:creationId xmlns:a16="http://schemas.microsoft.com/office/drawing/2014/main" id="{A780C84D-9B6A-2F1D-B85B-0E3CFFAF8BC4}"/>
-              </a:ext>
-            </a:extLst>
-          </p:cNvPr>
-          <p:cNvPicPr>
-            <a:picLocks noGrp="1" noChangeAspect="1"/>
-          </p:cNvPicPr>
-          <p:nvPr>
-            <p:ph idx="1"/>
-          </p:nvPr>
-        </p:nvPicPr>
-        <p:blipFill>
-          <a:blip r:embed="rId3"/>
-          <a:stretch>
-            <a:fillRect/>
-          </a:stretch>
-        </p:blipFill>
-        <p:spPr>
-          <a:xfrm>
-            <a:off x="681038" y="2483703"/>
-            <a:ext cx="8543925" cy="3327281"/>
-          </a:xfrm>
-        </p:spPr>
-      </p:pic>
-    </p:spTree>
-    <p:extLst>
-      <p:ext uri="{BB962C8B-B14F-4D97-AF65-F5344CB8AC3E}">
-        <p14:creationId xmlns:p14="http://schemas.microsoft.com/office/powerpoint/2010/main" val="887657918"/>
       </p:ext>
     </p:extLst>
   </p:cSld>
